--- a/Prezentáció.pptx
+++ b/Prezentáció.pptx
@@ -200,7 +200,7 @@
           <a:p>
             <a:fld id="{AA29FAAC-D38E-4A64-98E7-BD39F7CA0468}" type="datetimeFigureOut">
               <a:rPr lang="en-US" smtClean="0"/>
-              <a:t>4/19/2023</a:t>
+              <a:t>4/20/2023</a:t>
             </a:fld>
             <a:endParaRPr lang="en-US"/>
           </a:p>
@@ -525,7 +525,7 @@
           <a:noFill/>
           <a:extLst>
             <a:ext uri="{909E8E84-426E-40dd-AFC4-6F175D3DCCD1}">
-              <a14:hiddenFill xmlns:a14="http://schemas.microsoft.com/office/drawing/2010/main" xmlns="">
+              <a14:hiddenFill xmlns="" xmlns:a14="http://schemas.microsoft.com/office/drawing/2010/main">
                 <a:solidFill>
                   <a:srgbClr val="FFFFFF"/>
                 </a:solidFill>
@@ -584,7 +584,7 @@
             </a:ln>
             <a:extLst>
               <a:ext uri="{91240B29-F687-4f45-9708-019B960494DF}">
-                <a14:hiddenLine xmlns:a14="http://schemas.microsoft.com/office/drawing/2010/main" xmlns="" w="9525">
+                <a14:hiddenLine xmlns="" xmlns:a14="http://schemas.microsoft.com/office/drawing/2010/main" w="9525">
                   <a:solidFill>
                     <a:srgbClr val="000000"/>
                   </a:solidFill>
@@ -674,7 +674,7 @@
             </a:ln>
             <a:extLst>
               <a:ext uri="{91240B29-F687-4f45-9708-019B960494DF}">
-                <a14:hiddenLine xmlns:a14="http://schemas.microsoft.com/office/drawing/2010/main" xmlns="" w="9525">
+                <a14:hiddenLine xmlns="" xmlns:a14="http://schemas.microsoft.com/office/drawing/2010/main" w="9525">
                   <a:solidFill>
                     <a:srgbClr val="000000"/>
                   </a:solidFill>
@@ -764,7 +764,7 @@
             </a:ln>
             <a:extLst>
               <a:ext uri="{91240B29-F687-4f45-9708-019B960494DF}">
-                <a14:hiddenLine xmlns:a14="http://schemas.microsoft.com/office/drawing/2010/main" xmlns="" w="9525">
+                <a14:hiddenLine xmlns="" xmlns:a14="http://schemas.microsoft.com/office/drawing/2010/main" w="9525">
                   <a:solidFill>
                     <a:srgbClr val="000000"/>
                   </a:solidFill>
@@ -798,7 +798,7 @@
             </a:ln>
             <a:extLst>
               <a:ext uri="{91240B29-F687-4f45-9708-019B960494DF}">
-                <a14:hiddenLine xmlns:a14="http://schemas.microsoft.com/office/drawing/2010/main" xmlns="" w="9525">
+                <a14:hiddenLine xmlns="" xmlns:a14="http://schemas.microsoft.com/office/drawing/2010/main" w="9525">
                   <a:solidFill>
                     <a:srgbClr val="000000"/>
                   </a:solidFill>
@@ -888,7 +888,7 @@
             </a:ln>
             <a:extLst>
               <a:ext uri="{91240B29-F687-4f45-9708-019B960494DF}">
-                <a14:hiddenLine xmlns:a14="http://schemas.microsoft.com/office/drawing/2010/main" xmlns="" w="9525">
+                <a14:hiddenLine xmlns="" xmlns:a14="http://schemas.microsoft.com/office/drawing/2010/main" w="9525">
                   <a:solidFill>
                     <a:srgbClr val="000000"/>
                   </a:solidFill>
@@ -950,7 +950,7 @@
             </a:ln>
             <a:extLst>
               <a:ext uri="{91240B29-F687-4f45-9708-019B960494DF}">
-                <a14:hiddenLine xmlns:a14="http://schemas.microsoft.com/office/drawing/2010/main" xmlns="" w="9525">
+                <a14:hiddenLine xmlns="" xmlns:a14="http://schemas.microsoft.com/office/drawing/2010/main" w="9525">
                   <a:solidFill>
                     <a:srgbClr val="000000"/>
                   </a:solidFill>
@@ -1012,7 +1012,7 @@
             </a:ln>
             <a:extLst>
               <a:ext uri="{91240B29-F687-4f45-9708-019B960494DF}">
-                <a14:hiddenLine xmlns:a14="http://schemas.microsoft.com/office/drawing/2010/main" xmlns="" w="9525">
+                <a14:hiddenLine xmlns="" xmlns:a14="http://schemas.microsoft.com/office/drawing/2010/main" w="9525">
                   <a:solidFill>
                     <a:srgbClr val="000000"/>
                   </a:solidFill>
@@ -1102,7 +1102,7 @@
             </a:ln>
             <a:extLst>
               <a:ext uri="{91240B29-F687-4f45-9708-019B960494DF}">
-                <a14:hiddenLine xmlns:a14="http://schemas.microsoft.com/office/drawing/2010/main" xmlns="" w="9525">
+                <a14:hiddenLine xmlns="" xmlns:a14="http://schemas.microsoft.com/office/drawing/2010/main" w="9525">
                   <a:solidFill>
                     <a:srgbClr val="000000"/>
                   </a:solidFill>
@@ -1164,7 +1164,7 @@
             </a:ln>
             <a:extLst>
               <a:ext uri="{91240B29-F687-4f45-9708-019B960494DF}">
-                <a14:hiddenLine xmlns:a14="http://schemas.microsoft.com/office/drawing/2010/main" xmlns="" w="9525">
+                <a14:hiddenLine xmlns="" xmlns:a14="http://schemas.microsoft.com/office/drawing/2010/main" w="9525">
                   <a:solidFill>
                     <a:srgbClr val="000000"/>
                   </a:solidFill>
@@ -1226,7 +1226,7 @@
             </a:ln>
             <a:extLst>
               <a:ext uri="{91240B29-F687-4f45-9708-019B960494DF}">
-                <a14:hiddenLine xmlns:a14="http://schemas.microsoft.com/office/drawing/2010/main" xmlns="" w="9525">
+                <a14:hiddenLine xmlns="" xmlns:a14="http://schemas.microsoft.com/office/drawing/2010/main" w="9525">
                   <a:solidFill>
                     <a:srgbClr val="000000"/>
                   </a:solidFill>
@@ -1316,7 +1316,7 @@
             </a:ln>
             <a:extLst>
               <a:ext uri="{91240B29-F687-4f45-9708-019B960494DF}">
-                <a14:hiddenLine xmlns:a14="http://schemas.microsoft.com/office/drawing/2010/main" xmlns="" w="9525">
+                <a14:hiddenLine xmlns="" xmlns:a14="http://schemas.microsoft.com/office/drawing/2010/main" w="9525">
                   <a:solidFill>
                     <a:srgbClr val="000000"/>
                   </a:solidFill>
@@ -1406,7 +1406,7 @@
             </a:ln>
             <a:extLst>
               <a:ext uri="{91240B29-F687-4f45-9708-019B960494DF}">
-                <a14:hiddenLine xmlns:a14="http://schemas.microsoft.com/office/drawing/2010/main" xmlns="" w="9525">
+                <a14:hiddenLine xmlns="" xmlns:a14="http://schemas.microsoft.com/office/drawing/2010/main" w="9525">
                   <a:solidFill>
                     <a:srgbClr val="000000"/>
                   </a:solidFill>
@@ -1468,7 +1468,7 @@
             </a:ln>
             <a:extLst>
               <a:ext uri="{91240B29-F687-4f45-9708-019B960494DF}">
-                <a14:hiddenLine xmlns:a14="http://schemas.microsoft.com/office/drawing/2010/main" xmlns="" w="9525">
+                <a14:hiddenLine xmlns="" xmlns:a14="http://schemas.microsoft.com/office/drawing/2010/main" w="9525">
                   <a:solidFill>
                     <a:srgbClr val="000000"/>
                   </a:solidFill>
@@ -1578,7 +1578,7 @@
             </a:ln>
             <a:extLst>
               <a:ext uri="{91240B29-F687-4f45-9708-019B960494DF}">
-                <a14:hiddenLine xmlns:a14="http://schemas.microsoft.com/office/drawing/2010/main" xmlns="" w="9525">
+                <a14:hiddenLine xmlns="" xmlns:a14="http://schemas.microsoft.com/office/drawing/2010/main" w="9525">
                   <a:solidFill>
                     <a:srgbClr val="000000"/>
                   </a:solidFill>
@@ -1640,7 +1640,7 @@
             </a:ln>
             <a:extLst>
               <a:ext uri="{91240B29-F687-4f45-9708-019B960494DF}">
-                <a14:hiddenLine xmlns:a14="http://schemas.microsoft.com/office/drawing/2010/main" xmlns="" w="9525">
+                <a14:hiddenLine xmlns="" xmlns:a14="http://schemas.microsoft.com/office/drawing/2010/main" w="9525">
                   <a:solidFill>
                     <a:srgbClr val="000000"/>
                   </a:solidFill>
@@ -1730,7 +1730,7 @@
             </a:ln>
             <a:extLst>
               <a:ext uri="{91240B29-F687-4f45-9708-019B960494DF}">
-                <a14:hiddenLine xmlns:a14="http://schemas.microsoft.com/office/drawing/2010/main" xmlns="" w="9525">
+                <a14:hiddenLine xmlns="" xmlns:a14="http://schemas.microsoft.com/office/drawing/2010/main" w="9525">
                   <a:solidFill>
                     <a:srgbClr val="000000"/>
                   </a:solidFill>
@@ -1820,7 +1820,7 @@
             </a:ln>
             <a:extLst>
               <a:ext uri="{91240B29-F687-4f45-9708-019B960494DF}">
-                <a14:hiddenLine xmlns:a14="http://schemas.microsoft.com/office/drawing/2010/main" xmlns="" w="9525">
+                <a14:hiddenLine xmlns="" xmlns:a14="http://schemas.microsoft.com/office/drawing/2010/main" w="9525">
                   <a:solidFill>
                     <a:srgbClr val="000000"/>
                   </a:solidFill>
@@ -1882,7 +1882,7 @@
             </a:ln>
             <a:extLst>
               <a:ext uri="{91240B29-F687-4f45-9708-019B960494DF}">
-                <a14:hiddenLine xmlns:a14="http://schemas.microsoft.com/office/drawing/2010/main" xmlns="" w="9525">
+                <a14:hiddenLine xmlns="" xmlns:a14="http://schemas.microsoft.com/office/drawing/2010/main" w="9525">
                   <a:solidFill>
                     <a:srgbClr val="000000"/>
                   </a:solidFill>
@@ -1972,7 +1972,7 @@
             </a:ln>
             <a:extLst>
               <a:ext uri="{91240B29-F687-4f45-9708-019B960494DF}">
-                <a14:hiddenLine xmlns:a14="http://schemas.microsoft.com/office/drawing/2010/main" xmlns="" w="9525">
+                <a14:hiddenLine xmlns="" xmlns:a14="http://schemas.microsoft.com/office/drawing/2010/main" w="9525">
                   <a:solidFill>
                     <a:srgbClr val="000000"/>
                   </a:solidFill>
@@ -2062,7 +2062,7 @@
             </a:ln>
             <a:extLst>
               <a:ext uri="{91240B29-F687-4f45-9708-019B960494DF}">
-                <a14:hiddenLine xmlns:a14="http://schemas.microsoft.com/office/drawing/2010/main" xmlns="" w="9525">
+                <a14:hiddenLine xmlns="" xmlns:a14="http://schemas.microsoft.com/office/drawing/2010/main" w="9525">
                   <a:solidFill>
                     <a:srgbClr val="000000"/>
                   </a:solidFill>
@@ -2118,7 +2118,7 @@
             </a:ln>
             <a:extLst>
               <a:ext uri="{91240B29-F687-4f45-9708-019B960494DF}">
-                <a14:hiddenLine xmlns:a14="http://schemas.microsoft.com/office/drawing/2010/main" xmlns="" w="9525">
+                <a14:hiddenLine xmlns="" xmlns:a14="http://schemas.microsoft.com/office/drawing/2010/main" w="9525">
                   <a:solidFill>
                     <a:srgbClr val="000000"/>
                   </a:solidFill>
@@ -2208,7 +2208,7 @@
             </a:ln>
             <a:extLst>
               <a:ext uri="{91240B29-F687-4f45-9708-019B960494DF}">
-                <a14:hiddenLine xmlns:a14="http://schemas.microsoft.com/office/drawing/2010/main" xmlns="" w="9525">
+                <a14:hiddenLine xmlns="" xmlns:a14="http://schemas.microsoft.com/office/drawing/2010/main" w="9525">
                   <a:solidFill>
                     <a:srgbClr val="000000"/>
                   </a:solidFill>
@@ -2264,7 +2264,7 @@
             </a:ln>
             <a:extLst>
               <a:ext uri="{91240B29-F687-4f45-9708-019B960494DF}">
-                <a14:hiddenLine xmlns:a14="http://schemas.microsoft.com/office/drawing/2010/main" xmlns="" w="9525">
+                <a14:hiddenLine xmlns="" xmlns:a14="http://schemas.microsoft.com/office/drawing/2010/main" w="9525">
                   <a:solidFill>
                     <a:srgbClr val="000000"/>
                   </a:solidFill>
@@ -2354,7 +2354,7 @@
             </a:ln>
             <a:extLst>
               <a:ext uri="{91240B29-F687-4f45-9708-019B960494DF}">
-                <a14:hiddenLine xmlns:a14="http://schemas.microsoft.com/office/drawing/2010/main" xmlns="" w="9525">
+                <a14:hiddenLine xmlns="" xmlns:a14="http://schemas.microsoft.com/office/drawing/2010/main" w="9525">
                   <a:solidFill>
                     <a:srgbClr val="000000"/>
                   </a:solidFill>
@@ -2422,7 +2422,7 @@
             </a:ln>
             <a:extLst>
               <a:ext uri="{91240B29-F687-4f45-9708-019B960494DF}">
-                <a14:hiddenLine xmlns:a14="http://schemas.microsoft.com/office/drawing/2010/main" xmlns="" w="9525">
+                <a14:hiddenLine xmlns="" xmlns:a14="http://schemas.microsoft.com/office/drawing/2010/main" w="9525">
                   <a:solidFill>
                     <a:srgbClr val="000000"/>
                   </a:solidFill>
@@ -2512,7 +2512,7 @@
             </a:ln>
             <a:extLst>
               <a:ext uri="{91240B29-F687-4f45-9708-019B960494DF}">
-                <a14:hiddenLine xmlns:a14="http://schemas.microsoft.com/office/drawing/2010/main" xmlns="" w="9525">
+                <a14:hiddenLine xmlns="" xmlns:a14="http://schemas.microsoft.com/office/drawing/2010/main" w="9525">
                   <a:solidFill>
                     <a:srgbClr val="000000"/>
                   </a:solidFill>
@@ -2580,7 +2580,7 @@
             </a:ln>
             <a:extLst>
               <a:ext uri="{91240B29-F687-4f45-9708-019B960494DF}">
-                <a14:hiddenLine xmlns:a14="http://schemas.microsoft.com/office/drawing/2010/main" xmlns="" w="9525">
+                <a14:hiddenLine xmlns="" xmlns:a14="http://schemas.microsoft.com/office/drawing/2010/main" w="9525">
                   <a:solidFill>
                     <a:srgbClr val="000000"/>
                   </a:solidFill>
@@ -2670,7 +2670,7 @@
             </a:ln>
             <a:extLst>
               <a:ext uri="{91240B29-F687-4f45-9708-019B960494DF}">
-                <a14:hiddenLine xmlns:a14="http://schemas.microsoft.com/office/drawing/2010/main" xmlns="" w="9525">
+                <a14:hiddenLine xmlns="" xmlns:a14="http://schemas.microsoft.com/office/drawing/2010/main" w="9525">
                   <a:solidFill>
                     <a:srgbClr val="000000"/>
                   </a:solidFill>
@@ -2704,7 +2704,7 @@
             </a:ln>
             <a:extLst>
               <a:ext uri="{91240B29-F687-4f45-9708-019B960494DF}">
-                <a14:hiddenLine xmlns:a14="http://schemas.microsoft.com/office/drawing/2010/main" xmlns="" w="9525">
+                <a14:hiddenLine xmlns="" xmlns:a14="http://schemas.microsoft.com/office/drawing/2010/main" w="9525">
                   <a:solidFill>
                     <a:srgbClr val="000000"/>
                   </a:solidFill>
@@ -2794,7 +2794,7 @@
             </a:ln>
             <a:extLst>
               <a:ext uri="{91240B29-F687-4f45-9708-019B960494DF}">
-                <a14:hiddenLine xmlns:a14="http://schemas.microsoft.com/office/drawing/2010/main" xmlns="" w="9525">
+                <a14:hiddenLine xmlns="" xmlns:a14="http://schemas.microsoft.com/office/drawing/2010/main" w="9525">
                   <a:solidFill>
                     <a:srgbClr val="000000"/>
                   </a:solidFill>
@@ -2856,7 +2856,7 @@
             </a:ln>
             <a:extLst>
               <a:ext uri="{91240B29-F687-4f45-9708-019B960494DF}">
-                <a14:hiddenLine xmlns:a14="http://schemas.microsoft.com/office/drawing/2010/main" xmlns="" w="9525">
+                <a14:hiddenLine xmlns="" xmlns:a14="http://schemas.microsoft.com/office/drawing/2010/main" w="9525">
                   <a:solidFill>
                     <a:srgbClr val="000000"/>
                   </a:solidFill>
@@ -2918,7 +2918,7 @@
             </a:ln>
             <a:extLst>
               <a:ext uri="{91240B29-F687-4f45-9708-019B960494DF}">
-                <a14:hiddenLine xmlns:a14="http://schemas.microsoft.com/office/drawing/2010/main" xmlns="" w="9525">
+                <a14:hiddenLine xmlns="" xmlns:a14="http://schemas.microsoft.com/office/drawing/2010/main" w="9525">
                   <a:solidFill>
                     <a:srgbClr val="000000"/>
                   </a:solidFill>
@@ -3008,7 +3008,7 @@
             </a:ln>
             <a:extLst>
               <a:ext uri="{91240B29-F687-4f45-9708-019B960494DF}">
-                <a14:hiddenLine xmlns:a14="http://schemas.microsoft.com/office/drawing/2010/main" xmlns="" w="9525">
+                <a14:hiddenLine xmlns="" xmlns:a14="http://schemas.microsoft.com/office/drawing/2010/main" w="9525">
                   <a:solidFill>
                     <a:srgbClr val="000000"/>
                   </a:solidFill>
@@ -3076,7 +3076,7 @@
             </a:ln>
             <a:extLst>
               <a:ext uri="{91240B29-F687-4f45-9708-019B960494DF}">
-                <a14:hiddenLine xmlns:a14="http://schemas.microsoft.com/office/drawing/2010/main" xmlns="" w="9525">
+                <a14:hiddenLine xmlns="" xmlns:a14="http://schemas.microsoft.com/office/drawing/2010/main" w="9525">
                   <a:solidFill>
                     <a:srgbClr val="000000"/>
                   </a:solidFill>
@@ -3138,7 +3138,7 @@
             </a:ln>
             <a:extLst>
               <a:ext uri="{91240B29-F687-4f45-9708-019B960494DF}">
-                <a14:hiddenLine xmlns:a14="http://schemas.microsoft.com/office/drawing/2010/main" xmlns="" w="9525">
+                <a14:hiddenLine xmlns="" xmlns:a14="http://schemas.microsoft.com/office/drawing/2010/main" w="9525">
                   <a:solidFill>
                     <a:srgbClr val="000000"/>
                   </a:solidFill>
@@ -3228,7 +3228,7 @@
             </a:ln>
             <a:extLst>
               <a:ext uri="{91240B29-F687-4f45-9708-019B960494DF}">
-                <a14:hiddenLine xmlns:a14="http://schemas.microsoft.com/office/drawing/2010/main" xmlns="" w="9525">
+                <a14:hiddenLine xmlns="" xmlns:a14="http://schemas.microsoft.com/office/drawing/2010/main" w="9525">
                   <a:solidFill>
                     <a:srgbClr val="000000"/>
                   </a:solidFill>
@@ -3290,7 +3290,7 @@
             </a:ln>
             <a:extLst>
               <a:ext uri="{91240B29-F687-4f45-9708-019B960494DF}">
-                <a14:hiddenLine xmlns:a14="http://schemas.microsoft.com/office/drawing/2010/main" xmlns="" w="9525">
+                <a14:hiddenLine xmlns="" xmlns:a14="http://schemas.microsoft.com/office/drawing/2010/main" w="9525">
                   <a:solidFill>
                     <a:srgbClr val="000000"/>
                   </a:solidFill>
@@ -3380,7 +3380,7 @@
             </a:ln>
             <a:extLst>
               <a:ext uri="{91240B29-F687-4f45-9708-019B960494DF}">
-                <a14:hiddenLine xmlns:a14="http://schemas.microsoft.com/office/drawing/2010/main" xmlns="" w="9525">
+                <a14:hiddenLine xmlns="" xmlns:a14="http://schemas.microsoft.com/office/drawing/2010/main" w="9525">
                   <a:solidFill>
                     <a:srgbClr val="000000"/>
                   </a:solidFill>
@@ -3442,7 +3442,7 @@
             </a:ln>
             <a:extLst>
               <a:ext uri="{91240B29-F687-4f45-9708-019B960494DF}">
-                <a14:hiddenLine xmlns:a14="http://schemas.microsoft.com/office/drawing/2010/main" xmlns="" w="9525">
+                <a14:hiddenLine xmlns="" xmlns:a14="http://schemas.microsoft.com/office/drawing/2010/main" w="9525">
                   <a:solidFill>
                     <a:srgbClr val="000000"/>
                   </a:solidFill>
@@ -3532,7 +3532,7 @@
             </a:ln>
             <a:extLst>
               <a:ext uri="{91240B29-F687-4f45-9708-019B960494DF}">
-                <a14:hiddenLine xmlns:a14="http://schemas.microsoft.com/office/drawing/2010/main" xmlns="" w="9525">
+                <a14:hiddenLine xmlns="" xmlns:a14="http://schemas.microsoft.com/office/drawing/2010/main" w="9525">
                   <a:solidFill>
                     <a:srgbClr val="000000"/>
                   </a:solidFill>
@@ -3566,7 +3566,7 @@
             </a:ln>
             <a:extLst>
               <a:ext uri="{91240B29-F687-4f45-9708-019B960494DF}">
-                <a14:hiddenLine xmlns:a14="http://schemas.microsoft.com/office/drawing/2010/main" xmlns="" w="9525">
+                <a14:hiddenLine xmlns="" xmlns:a14="http://schemas.microsoft.com/office/drawing/2010/main" w="9525">
                   <a:solidFill>
                     <a:srgbClr val="000000"/>
                   </a:solidFill>
@@ -3631,7 +3631,7 @@
             </a:ln>
             <a:extLst>
               <a:ext uri="{91240B29-F687-4f45-9708-019B960494DF}">
-                <a14:hiddenLine xmlns:a14="http://schemas.microsoft.com/office/drawing/2010/main" xmlns="" w="9525">
+                <a14:hiddenLine xmlns="" xmlns:a14="http://schemas.microsoft.com/office/drawing/2010/main" w="9525">
                   <a:solidFill>
                     <a:srgbClr val="000000"/>
                   </a:solidFill>
@@ -3721,7 +3721,7 @@
             </a:ln>
             <a:extLst>
               <a:ext uri="{91240B29-F687-4f45-9708-019B960494DF}">
-                <a14:hiddenLine xmlns:a14="http://schemas.microsoft.com/office/drawing/2010/main" xmlns="" w="9525">
+                <a14:hiddenLine xmlns="" xmlns:a14="http://schemas.microsoft.com/office/drawing/2010/main" w="9525">
                   <a:solidFill>
                     <a:srgbClr val="000000"/>
                   </a:solidFill>
@@ -3783,7 +3783,7 @@
             </a:ln>
             <a:extLst>
               <a:ext uri="{91240B29-F687-4f45-9708-019B960494DF}">
-                <a14:hiddenLine xmlns:a14="http://schemas.microsoft.com/office/drawing/2010/main" xmlns="" w="9525">
+                <a14:hiddenLine xmlns="" xmlns:a14="http://schemas.microsoft.com/office/drawing/2010/main" w="9525">
                   <a:solidFill>
                     <a:srgbClr val="000000"/>
                   </a:solidFill>
@@ -3873,7 +3873,7 @@
             </a:ln>
             <a:extLst>
               <a:ext uri="{91240B29-F687-4f45-9708-019B960494DF}">
-                <a14:hiddenLine xmlns:a14="http://schemas.microsoft.com/office/drawing/2010/main" xmlns="" w="9525">
+                <a14:hiddenLine xmlns="" xmlns:a14="http://schemas.microsoft.com/office/drawing/2010/main" w="9525">
                   <a:solidFill>
                     <a:srgbClr val="000000"/>
                   </a:solidFill>
@@ -3963,7 +3963,7 @@
             </a:ln>
             <a:extLst>
               <a:ext uri="{91240B29-F687-4f45-9708-019B960494DF}">
-                <a14:hiddenLine xmlns:a14="http://schemas.microsoft.com/office/drawing/2010/main" xmlns="" w="9525">
+                <a14:hiddenLine xmlns="" xmlns:a14="http://schemas.microsoft.com/office/drawing/2010/main" w="9525">
                   <a:solidFill>
                     <a:srgbClr val="000000"/>
                   </a:solidFill>
@@ -4028,7 +4028,7 @@
             </a:ln>
             <a:extLst>
               <a:ext uri="{91240B29-F687-4f45-9708-019B960494DF}">
-                <a14:hiddenLine xmlns:a14="http://schemas.microsoft.com/office/drawing/2010/main" xmlns="" w="9525">
+                <a14:hiddenLine xmlns="" xmlns:a14="http://schemas.microsoft.com/office/drawing/2010/main" w="9525">
                   <a:solidFill>
                     <a:srgbClr val="000000"/>
                   </a:solidFill>
@@ -4090,7 +4090,7 @@
             </a:ln>
             <a:extLst>
               <a:ext uri="{91240B29-F687-4f45-9708-019B960494DF}">
-                <a14:hiddenLine xmlns:a14="http://schemas.microsoft.com/office/drawing/2010/main" xmlns="" w="9525">
+                <a14:hiddenLine xmlns="" xmlns:a14="http://schemas.microsoft.com/office/drawing/2010/main" w="9525">
                   <a:solidFill>
                     <a:srgbClr val="000000"/>
                   </a:solidFill>
@@ -4180,7 +4180,7 @@
             </a:ln>
             <a:extLst>
               <a:ext uri="{91240B29-F687-4f45-9708-019B960494DF}">
-                <a14:hiddenLine xmlns:a14="http://schemas.microsoft.com/office/drawing/2010/main" xmlns="" w="9525">
+                <a14:hiddenLine xmlns="" xmlns:a14="http://schemas.microsoft.com/office/drawing/2010/main" w="9525">
                   <a:solidFill>
                     <a:srgbClr val="000000"/>
                   </a:solidFill>
@@ -4270,7 +4270,7 @@
             </a:ln>
             <a:extLst>
               <a:ext uri="{91240B29-F687-4f45-9708-019B960494DF}">
-                <a14:hiddenLine xmlns:a14="http://schemas.microsoft.com/office/drawing/2010/main" xmlns="" w="9525">
+                <a14:hiddenLine xmlns="" xmlns:a14="http://schemas.microsoft.com/office/drawing/2010/main" w="9525">
                   <a:solidFill>
                     <a:srgbClr val="000000"/>
                   </a:solidFill>
@@ -4332,7 +4332,7 @@
             </a:ln>
             <a:extLst>
               <a:ext uri="{91240B29-F687-4f45-9708-019B960494DF}">
-                <a14:hiddenLine xmlns:a14="http://schemas.microsoft.com/office/drawing/2010/main" xmlns="" w="9525">
+                <a14:hiddenLine xmlns="" xmlns:a14="http://schemas.microsoft.com/office/drawing/2010/main" w="9525">
                   <a:solidFill>
                     <a:srgbClr val="000000"/>
                   </a:solidFill>
@@ -4452,7 +4452,7 @@
             </a:ln>
             <a:extLst>
               <a:ext uri="{91240B29-F687-4f45-9708-019B960494DF}">
-                <a14:hiddenLine xmlns:a14="http://schemas.microsoft.com/office/drawing/2010/main" xmlns="" w="9525">
+                <a14:hiddenLine xmlns="" xmlns:a14="http://schemas.microsoft.com/office/drawing/2010/main" w="9525">
                   <a:solidFill>
                     <a:srgbClr val="000000"/>
                   </a:solidFill>
@@ -4520,7 +4520,7 @@
             </a:ln>
             <a:extLst>
               <a:ext uri="{91240B29-F687-4f45-9708-019B960494DF}">
-                <a14:hiddenLine xmlns:a14="http://schemas.microsoft.com/office/drawing/2010/main" xmlns="" w="9525">
+                <a14:hiddenLine xmlns="" xmlns:a14="http://schemas.microsoft.com/office/drawing/2010/main" w="9525">
                   <a:solidFill>
                     <a:srgbClr val="000000"/>
                   </a:solidFill>
@@ -4610,7 +4610,7 @@
             </a:ln>
             <a:extLst>
               <a:ext uri="{91240B29-F687-4f45-9708-019B960494DF}">
-                <a14:hiddenLine xmlns:a14="http://schemas.microsoft.com/office/drawing/2010/main" xmlns="" w="9525">
+                <a14:hiddenLine xmlns="" xmlns:a14="http://schemas.microsoft.com/office/drawing/2010/main" w="9525">
                   <a:solidFill>
                     <a:srgbClr val="000000"/>
                   </a:solidFill>
@@ -4750,7 +4750,7 @@
           <a:p>
             <a:fld id="{4E366CDE-0B9C-4DD5-AC70-63E61B4FC05F}" type="datetimeFigureOut">
               <a:rPr lang="en-US" smtClean="0"/>
-              <a:t>4/19/2023</a:t>
+              <a:t>4/20/2023</a:t>
             </a:fld>
             <a:endParaRPr lang="en-US"/>
           </a:p>
@@ -5017,7 +5017,7 @@
           <a:p>
             <a:fld id="{4E366CDE-0B9C-4DD5-AC70-63E61B4FC05F}" type="datetimeFigureOut">
               <a:rPr lang="en-US" smtClean="0"/>
-              <a:t>4/19/2023</a:t>
+              <a:t>4/20/2023</a:t>
             </a:fld>
             <a:endParaRPr lang="en-US"/>
           </a:p>
@@ -5213,7 +5213,7 @@
           <a:p>
             <a:fld id="{4E366CDE-0B9C-4DD5-AC70-63E61B4FC05F}" type="datetimeFigureOut">
               <a:rPr lang="en-US" smtClean="0"/>
-              <a:t>4/19/2023</a:t>
+              <a:t>4/20/2023</a:t>
             </a:fld>
             <a:endParaRPr lang="en-US"/>
           </a:p>
@@ -5476,7 +5476,7 @@
           <a:p>
             <a:fld id="{4E366CDE-0B9C-4DD5-AC70-63E61B4FC05F}" type="datetimeFigureOut">
               <a:rPr lang="en-US" smtClean="0"/>
-              <a:t>4/19/2023</a:t>
+              <a:t>4/20/2023</a:t>
             </a:fld>
             <a:endParaRPr lang="en-US"/>
           </a:p>
@@ -5910,7 +5910,7 @@
           <a:p>
             <a:fld id="{4E366CDE-0B9C-4DD5-AC70-63E61B4FC05F}" type="datetimeFigureOut">
               <a:rPr lang="en-US" smtClean="0"/>
-              <a:t>4/19/2023</a:t>
+              <a:t>4/20/2023</a:t>
             </a:fld>
             <a:endParaRPr lang="en-US"/>
           </a:p>
@@ -6456,7 +6456,7 @@
           <a:p>
             <a:fld id="{4E366CDE-0B9C-4DD5-AC70-63E61B4FC05F}" type="datetimeFigureOut">
               <a:rPr lang="en-US" smtClean="0"/>
-              <a:t>4/19/2023</a:t>
+              <a:t>4/20/2023</a:t>
             </a:fld>
             <a:endParaRPr lang="en-US"/>
           </a:p>
@@ -7176,7 +7176,7 @@
           <a:p>
             <a:fld id="{4E366CDE-0B9C-4DD5-AC70-63E61B4FC05F}" type="datetimeFigureOut">
               <a:rPr lang="en-US" smtClean="0"/>
-              <a:t>4/19/2023</a:t>
+              <a:t>4/20/2023</a:t>
             </a:fld>
             <a:endParaRPr lang="en-US"/>
           </a:p>
@@ -7346,7 +7346,7 @@
           <a:p>
             <a:fld id="{4E366CDE-0B9C-4DD5-AC70-63E61B4FC05F}" type="datetimeFigureOut">
               <a:rPr lang="en-US" smtClean="0"/>
-              <a:t>4/19/2023</a:t>
+              <a:t>4/20/2023</a:t>
             </a:fld>
             <a:endParaRPr lang="en-US"/>
           </a:p>
@@ -7526,7 +7526,7 @@
           <a:p>
             <a:fld id="{4E366CDE-0B9C-4DD5-AC70-63E61B4FC05F}" type="datetimeFigureOut">
               <a:rPr lang="en-US" smtClean="0"/>
-              <a:t>4/19/2023</a:t>
+              <a:t>4/20/2023</a:t>
             </a:fld>
             <a:endParaRPr lang="en-US"/>
           </a:p>
@@ -7696,7 +7696,7 @@
           <a:p>
             <a:fld id="{4E366CDE-0B9C-4DD5-AC70-63E61B4FC05F}" type="datetimeFigureOut">
               <a:rPr lang="en-US" smtClean="0"/>
-              <a:t>4/19/2023</a:t>
+              <a:t>4/20/2023</a:t>
             </a:fld>
             <a:endParaRPr lang="en-US"/>
           </a:p>
@@ -7946,7 +7946,7 @@
           <a:p>
             <a:fld id="{4E366CDE-0B9C-4DD5-AC70-63E61B4FC05F}" type="datetimeFigureOut">
               <a:rPr lang="en-US" smtClean="0"/>
-              <a:t>4/19/2023</a:t>
+              <a:t>4/20/2023</a:t>
             </a:fld>
             <a:endParaRPr lang="en-US"/>
           </a:p>
@@ -8178,7 +8178,7 @@
           <a:p>
             <a:fld id="{4E366CDE-0B9C-4DD5-AC70-63E61B4FC05F}" type="datetimeFigureOut">
               <a:rPr lang="en-US" smtClean="0"/>
-              <a:t>4/19/2023</a:t>
+              <a:t>4/20/2023</a:t>
             </a:fld>
             <a:endParaRPr lang="en-US"/>
           </a:p>
@@ -8559,7 +8559,7 @@
           <a:p>
             <a:fld id="{4E366CDE-0B9C-4DD5-AC70-63E61B4FC05F}" type="datetimeFigureOut">
               <a:rPr lang="en-US" smtClean="0"/>
-              <a:t>4/19/2023</a:t>
+              <a:t>4/20/2023</a:t>
             </a:fld>
             <a:endParaRPr lang="en-US"/>
           </a:p>
@@ -8677,7 +8677,7 @@
           <a:p>
             <a:fld id="{4E366CDE-0B9C-4DD5-AC70-63E61B4FC05F}" type="datetimeFigureOut">
               <a:rPr lang="en-US" smtClean="0"/>
-              <a:t>4/19/2023</a:t>
+              <a:t>4/20/2023</a:t>
             </a:fld>
             <a:endParaRPr lang="en-US"/>
           </a:p>
@@ -8772,7 +8772,7 @@
           <a:p>
             <a:fld id="{4E366CDE-0B9C-4DD5-AC70-63E61B4FC05F}" type="datetimeFigureOut">
               <a:rPr lang="en-US" smtClean="0"/>
-              <a:t>4/19/2023</a:t>
+              <a:t>4/20/2023</a:t>
             </a:fld>
             <a:endParaRPr lang="en-US"/>
           </a:p>
@@ -9021,7 +9021,7 @@
           <a:p>
             <a:fld id="{4E366CDE-0B9C-4DD5-AC70-63E61B4FC05F}" type="datetimeFigureOut">
               <a:rPr lang="en-US" smtClean="0"/>
-              <a:t>4/19/2023</a:t>
+              <a:t>4/20/2023</a:t>
             </a:fld>
             <a:endParaRPr lang="en-US"/>
           </a:p>
@@ -9301,7 +9301,7 @@
           <a:p>
             <a:fld id="{4E366CDE-0B9C-4DD5-AC70-63E61B4FC05F}" type="datetimeFigureOut">
               <a:rPr lang="en-US" smtClean="0"/>
-              <a:t>4/19/2023</a:t>
+              <a:t>4/20/2023</a:t>
             </a:fld>
             <a:endParaRPr lang="en-US"/>
           </a:p>
@@ -9424,7 +9424,7 @@
           <a:noFill/>
           <a:extLst>
             <a:ext uri="{909E8E84-426E-40dd-AFC4-6F175D3DCCD1}">
-              <a14:hiddenFill xmlns:a14="http://schemas.microsoft.com/office/drawing/2010/main" xmlns="">
+              <a14:hiddenFill xmlns="" xmlns:a14="http://schemas.microsoft.com/office/drawing/2010/main">
                 <a:solidFill>
                   <a:srgbClr val="FFFFFF"/>
                 </a:solidFill>
@@ -9498,7 +9498,7 @@
               </a:ln>
               <a:extLst>
                 <a:ext uri="{91240B29-F687-4f45-9708-019B960494DF}">
-                  <a14:hiddenLine xmlns:a14="http://schemas.microsoft.com/office/drawing/2010/main" xmlns="" w="9525">
+                  <a14:hiddenLine xmlns="" xmlns:a14="http://schemas.microsoft.com/office/drawing/2010/main" w="9525">
                     <a:solidFill>
                       <a:srgbClr val="000000"/>
                     </a:solidFill>
@@ -9588,7 +9588,7 @@
               </a:ln>
               <a:extLst>
                 <a:ext uri="{91240B29-F687-4f45-9708-019B960494DF}">
-                  <a14:hiddenLine xmlns:a14="http://schemas.microsoft.com/office/drawing/2010/main" xmlns="" w="9525">
+                  <a14:hiddenLine xmlns="" xmlns:a14="http://schemas.microsoft.com/office/drawing/2010/main" w="9525">
                     <a:solidFill>
                       <a:srgbClr val="000000"/>
                     </a:solidFill>
@@ -9678,7 +9678,7 @@
               </a:ln>
               <a:extLst>
                 <a:ext uri="{91240B29-F687-4f45-9708-019B960494DF}">
-                  <a14:hiddenLine xmlns:a14="http://schemas.microsoft.com/office/drawing/2010/main" xmlns="" w="9525">
+                  <a14:hiddenLine xmlns="" xmlns:a14="http://schemas.microsoft.com/office/drawing/2010/main" w="9525">
                     <a:solidFill>
                       <a:srgbClr val="000000"/>
                     </a:solidFill>
@@ -9740,7 +9740,7 @@
               </a:ln>
               <a:extLst>
                 <a:ext uri="{91240B29-F687-4f45-9708-019B960494DF}">
-                  <a14:hiddenLine xmlns:a14="http://schemas.microsoft.com/office/drawing/2010/main" xmlns="" w="9525">
+                  <a14:hiddenLine xmlns="" xmlns:a14="http://schemas.microsoft.com/office/drawing/2010/main" w="9525">
                     <a:solidFill>
                       <a:srgbClr val="000000"/>
                     </a:solidFill>
@@ -9830,7 +9830,7 @@
               </a:ln>
               <a:extLst>
                 <a:ext uri="{91240B29-F687-4f45-9708-019B960494DF}">
-                  <a14:hiddenLine xmlns:a14="http://schemas.microsoft.com/office/drawing/2010/main" xmlns="" w="9525">
+                  <a14:hiddenLine xmlns="" xmlns:a14="http://schemas.microsoft.com/office/drawing/2010/main" w="9525">
                     <a:solidFill>
                       <a:srgbClr val="000000"/>
                     </a:solidFill>
@@ -9892,7 +9892,7 @@
               </a:ln>
               <a:extLst>
                 <a:ext uri="{91240B29-F687-4f45-9708-019B960494DF}">
-                  <a14:hiddenLine xmlns:a14="http://schemas.microsoft.com/office/drawing/2010/main" xmlns="" w="9525">
+                  <a14:hiddenLine xmlns="" xmlns:a14="http://schemas.microsoft.com/office/drawing/2010/main" w="9525">
                     <a:solidFill>
                       <a:srgbClr val="000000"/>
                     </a:solidFill>
@@ -9954,7 +9954,7 @@
               </a:ln>
               <a:extLst>
                 <a:ext uri="{91240B29-F687-4f45-9708-019B960494DF}">
-                  <a14:hiddenLine xmlns:a14="http://schemas.microsoft.com/office/drawing/2010/main" xmlns="" w="9525">
+                  <a14:hiddenLine xmlns="" xmlns:a14="http://schemas.microsoft.com/office/drawing/2010/main" w="9525">
                     <a:solidFill>
                       <a:srgbClr val="000000"/>
                     </a:solidFill>
@@ -10044,7 +10044,7 @@
               </a:ln>
               <a:extLst>
                 <a:ext uri="{91240B29-F687-4f45-9708-019B960494DF}">
-                  <a14:hiddenLine xmlns:a14="http://schemas.microsoft.com/office/drawing/2010/main" xmlns="" w="9525">
+                  <a14:hiddenLine xmlns="" xmlns:a14="http://schemas.microsoft.com/office/drawing/2010/main" w="9525">
                     <a:solidFill>
                       <a:srgbClr val="000000"/>
                     </a:solidFill>
@@ -10134,7 +10134,7 @@
               </a:ln>
               <a:extLst>
                 <a:ext uri="{91240B29-F687-4f45-9708-019B960494DF}">
-                  <a14:hiddenLine xmlns:a14="http://schemas.microsoft.com/office/drawing/2010/main" xmlns="" w="9525">
+                  <a14:hiddenLine xmlns="" xmlns:a14="http://schemas.microsoft.com/office/drawing/2010/main" w="9525">
                     <a:solidFill>
                       <a:srgbClr val="000000"/>
                     </a:solidFill>
@@ -10196,7 +10196,7 @@
               </a:ln>
               <a:extLst>
                 <a:ext uri="{91240B29-F687-4f45-9708-019B960494DF}">
-                  <a14:hiddenLine xmlns:a14="http://schemas.microsoft.com/office/drawing/2010/main" xmlns="" w="9525">
+                  <a14:hiddenLine xmlns="" xmlns:a14="http://schemas.microsoft.com/office/drawing/2010/main" w="9525">
                     <a:solidFill>
                       <a:srgbClr val="000000"/>
                     </a:solidFill>
@@ -10306,7 +10306,7 @@
               </a:ln>
               <a:extLst>
                 <a:ext uri="{91240B29-F687-4f45-9708-019B960494DF}">
-                  <a14:hiddenLine xmlns:a14="http://schemas.microsoft.com/office/drawing/2010/main" xmlns="" w="9525">
+                  <a14:hiddenLine xmlns="" xmlns:a14="http://schemas.microsoft.com/office/drawing/2010/main" w="9525">
                     <a:solidFill>
                       <a:srgbClr val="000000"/>
                     </a:solidFill>
@@ -10390,7 +10390,7 @@
               </a:ln>
               <a:extLst>
                 <a:ext uri="{91240B29-F687-4f45-9708-019B960494DF}">
-                  <a14:hiddenLine xmlns:a14="http://schemas.microsoft.com/office/drawing/2010/main" xmlns="" w="9525">
+                  <a14:hiddenLine xmlns="" xmlns:a14="http://schemas.microsoft.com/office/drawing/2010/main" w="9525">
                     <a:solidFill>
                       <a:srgbClr val="000000"/>
                     </a:solidFill>
@@ -10452,7 +10452,7 @@
               </a:ln>
               <a:extLst>
                 <a:ext uri="{91240B29-F687-4f45-9708-019B960494DF}">
-                  <a14:hiddenLine xmlns:a14="http://schemas.microsoft.com/office/drawing/2010/main" xmlns="" w="9525">
+                  <a14:hiddenLine xmlns="" xmlns:a14="http://schemas.microsoft.com/office/drawing/2010/main" w="9525">
                     <a:solidFill>
                       <a:srgbClr val="000000"/>
                     </a:solidFill>
@@ -10514,7 +10514,7 @@
               </a:ln>
               <a:extLst>
                 <a:ext uri="{91240B29-F687-4f45-9708-019B960494DF}">
-                  <a14:hiddenLine xmlns:a14="http://schemas.microsoft.com/office/drawing/2010/main" xmlns="" w="9525">
+                  <a14:hiddenLine xmlns="" xmlns:a14="http://schemas.microsoft.com/office/drawing/2010/main" w="9525">
                     <a:solidFill>
                       <a:srgbClr val="000000"/>
                     </a:solidFill>
@@ -10604,7 +10604,7 @@
               </a:ln>
               <a:extLst>
                 <a:ext uri="{91240B29-F687-4f45-9708-019B960494DF}">
-                  <a14:hiddenLine xmlns:a14="http://schemas.microsoft.com/office/drawing/2010/main" xmlns="" w="9525">
+                  <a14:hiddenLine xmlns="" xmlns:a14="http://schemas.microsoft.com/office/drawing/2010/main" w="9525">
                     <a:solidFill>
                       <a:srgbClr val="000000"/>
                     </a:solidFill>
@@ -10638,7 +10638,7 @@
               </a:ln>
               <a:extLst>
                 <a:ext uri="{91240B29-F687-4f45-9708-019B960494DF}">
-                  <a14:hiddenLine xmlns:a14="http://schemas.microsoft.com/office/drawing/2010/main" xmlns="" w="9525">
+                  <a14:hiddenLine xmlns="" xmlns:a14="http://schemas.microsoft.com/office/drawing/2010/main" w="9525">
                     <a:solidFill>
                       <a:srgbClr val="000000"/>
                     </a:solidFill>
@@ -10703,7 +10703,7 @@
               </a:ln>
               <a:extLst>
                 <a:ext uri="{91240B29-F687-4f45-9708-019B960494DF}">
-                  <a14:hiddenLine xmlns:a14="http://schemas.microsoft.com/office/drawing/2010/main" xmlns="" w="9525">
+                  <a14:hiddenLine xmlns="" xmlns:a14="http://schemas.microsoft.com/office/drawing/2010/main" w="9525">
                     <a:solidFill>
                       <a:srgbClr val="000000"/>
                     </a:solidFill>
@@ -10793,7 +10793,7 @@
               </a:ln>
               <a:extLst>
                 <a:ext uri="{91240B29-F687-4f45-9708-019B960494DF}">
-                  <a14:hiddenLine xmlns:a14="http://schemas.microsoft.com/office/drawing/2010/main" xmlns="" w="9525">
+                  <a14:hiddenLine xmlns="" xmlns:a14="http://schemas.microsoft.com/office/drawing/2010/main" w="9525">
                     <a:solidFill>
                       <a:srgbClr val="000000"/>
                     </a:solidFill>
@@ -10855,7 +10855,7 @@
               </a:ln>
               <a:extLst>
                 <a:ext uri="{91240B29-F687-4f45-9708-019B960494DF}">
-                  <a14:hiddenLine xmlns:a14="http://schemas.microsoft.com/office/drawing/2010/main" xmlns="" w="9525">
+                  <a14:hiddenLine xmlns="" xmlns:a14="http://schemas.microsoft.com/office/drawing/2010/main" w="9525">
                     <a:solidFill>
                       <a:srgbClr val="000000"/>
                     </a:solidFill>
@@ -10945,7 +10945,7 @@
               </a:ln>
               <a:extLst>
                 <a:ext uri="{91240B29-F687-4f45-9708-019B960494DF}">
-                  <a14:hiddenLine xmlns:a14="http://schemas.microsoft.com/office/drawing/2010/main" xmlns="" w="9525">
+                  <a14:hiddenLine xmlns="" xmlns:a14="http://schemas.microsoft.com/office/drawing/2010/main" w="9525">
                     <a:solidFill>
                       <a:srgbClr val="000000"/>
                     </a:solidFill>
@@ -11010,7 +11010,7 @@
               </a:ln>
               <a:extLst>
                 <a:ext uri="{91240B29-F687-4f45-9708-019B960494DF}">
-                  <a14:hiddenLine xmlns:a14="http://schemas.microsoft.com/office/drawing/2010/main" xmlns="" w="9525">
+                  <a14:hiddenLine xmlns="" xmlns:a14="http://schemas.microsoft.com/office/drawing/2010/main" w="9525">
                     <a:solidFill>
                       <a:srgbClr val="000000"/>
                     </a:solidFill>
@@ -11072,7 +11072,7 @@
               </a:ln>
               <a:extLst>
                 <a:ext uri="{91240B29-F687-4f45-9708-019B960494DF}">
-                  <a14:hiddenLine xmlns:a14="http://schemas.microsoft.com/office/drawing/2010/main" xmlns="" w="9525">
+                  <a14:hiddenLine xmlns="" xmlns:a14="http://schemas.microsoft.com/office/drawing/2010/main" w="9525">
                     <a:solidFill>
                       <a:srgbClr val="000000"/>
                     </a:solidFill>
@@ -11162,7 +11162,7 @@
               </a:ln>
               <a:extLst>
                 <a:ext uri="{91240B29-F687-4f45-9708-019B960494DF}">
-                  <a14:hiddenLine xmlns:a14="http://schemas.microsoft.com/office/drawing/2010/main" xmlns="" w="9525">
+                  <a14:hiddenLine xmlns="" xmlns:a14="http://schemas.microsoft.com/office/drawing/2010/main" w="9525">
                     <a:solidFill>
                       <a:srgbClr val="000000"/>
                     </a:solidFill>
@@ -11252,7 +11252,7 @@
               </a:ln>
               <a:extLst>
                 <a:ext uri="{91240B29-F687-4f45-9708-019B960494DF}">
-                  <a14:hiddenLine xmlns:a14="http://schemas.microsoft.com/office/drawing/2010/main" xmlns="" w="9525">
+                  <a14:hiddenLine xmlns="" xmlns:a14="http://schemas.microsoft.com/office/drawing/2010/main" w="9525">
                     <a:solidFill>
                       <a:srgbClr val="000000"/>
                     </a:solidFill>
@@ -11317,7 +11317,7 @@
               </a:ln>
               <a:extLst>
                 <a:ext uri="{91240B29-F687-4f45-9708-019B960494DF}">
-                  <a14:hiddenLine xmlns:a14="http://schemas.microsoft.com/office/drawing/2010/main" xmlns="" w="9525">
+                  <a14:hiddenLine xmlns="" xmlns:a14="http://schemas.microsoft.com/office/drawing/2010/main" w="9525">
                     <a:solidFill>
                       <a:srgbClr val="000000"/>
                     </a:solidFill>
@@ -11437,7 +11437,7 @@
               </a:ln>
               <a:extLst>
                 <a:ext uri="{91240B29-F687-4f45-9708-019B960494DF}">
-                  <a14:hiddenLine xmlns:a14="http://schemas.microsoft.com/office/drawing/2010/main" xmlns="" w="9525">
+                  <a14:hiddenLine xmlns="" xmlns:a14="http://schemas.microsoft.com/office/drawing/2010/main" w="9525">
                     <a:solidFill>
                       <a:srgbClr val="000000"/>
                     </a:solidFill>
@@ -11518,7 +11518,7 @@
               </a:ln>
               <a:extLst>
                 <a:ext uri="{91240B29-F687-4f45-9708-019B960494DF}">
-                  <a14:hiddenLine xmlns:a14="http://schemas.microsoft.com/office/drawing/2010/main" xmlns="" w="9525">
+                  <a14:hiddenLine xmlns="" xmlns:a14="http://schemas.microsoft.com/office/drawing/2010/main" w="9525">
                     <a:solidFill>
                       <a:srgbClr val="000000"/>
                     </a:solidFill>
@@ -11633,7 +11633,7 @@
               </a:ln>
               <a:extLst>
                 <a:ext uri="{91240B29-F687-4f45-9708-019B960494DF}">
-                  <a14:hiddenLine xmlns:a14="http://schemas.microsoft.com/office/drawing/2010/main" xmlns="" w="9525">
+                  <a14:hiddenLine xmlns="" xmlns:a14="http://schemas.microsoft.com/office/drawing/2010/main" w="9525">
                     <a:solidFill>
                       <a:srgbClr val="000000"/>
                     </a:solidFill>
@@ -11723,7 +11723,7 @@
               </a:ln>
               <a:extLst>
                 <a:ext uri="{91240B29-F687-4f45-9708-019B960494DF}">
-                  <a14:hiddenLine xmlns:a14="http://schemas.microsoft.com/office/drawing/2010/main" xmlns="" w="9525">
+                  <a14:hiddenLine xmlns="" xmlns:a14="http://schemas.microsoft.com/office/drawing/2010/main" w="9525">
                     <a:solidFill>
                       <a:srgbClr val="000000"/>
                     </a:solidFill>
@@ -11788,7 +11788,7 @@
               </a:ln>
               <a:extLst>
                 <a:ext uri="{91240B29-F687-4f45-9708-019B960494DF}">
-                  <a14:hiddenLine xmlns:a14="http://schemas.microsoft.com/office/drawing/2010/main" xmlns="" w="9525">
+                  <a14:hiddenLine xmlns="" xmlns:a14="http://schemas.microsoft.com/office/drawing/2010/main" w="9525">
                     <a:solidFill>
                       <a:srgbClr val="000000"/>
                     </a:solidFill>
@@ -11878,7 +11878,7 @@
               </a:ln>
               <a:extLst>
                 <a:ext uri="{91240B29-F687-4f45-9708-019B960494DF}">
-                  <a14:hiddenLine xmlns:a14="http://schemas.microsoft.com/office/drawing/2010/main" xmlns="" w="9525">
+                  <a14:hiddenLine xmlns="" xmlns:a14="http://schemas.microsoft.com/office/drawing/2010/main" w="9525">
                     <a:solidFill>
                       <a:srgbClr val="000000"/>
                     </a:solidFill>
@@ -11946,7 +11946,7 @@
               </a:ln>
               <a:extLst>
                 <a:ext uri="{91240B29-F687-4f45-9708-019B960494DF}">
-                  <a14:hiddenLine xmlns:a14="http://schemas.microsoft.com/office/drawing/2010/main" xmlns="" w="9525">
+                  <a14:hiddenLine xmlns="" xmlns:a14="http://schemas.microsoft.com/office/drawing/2010/main" w="9525">
                     <a:solidFill>
                       <a:srgbClr val="000000"/>
                     </a:solidFill>
@@ -12036,7 +12036,7 @@
               </a:ln>
               <a:extLst>
                 <a:ext uri="{91240B29-F687-4f45-9708-019B960494DF}">
-                  <a14:hiddenLine xmlns:a14="http://schemas.microsoft.com/office/drawing/2010/main" xmlns="" w="9525">
+                  <a14:hiddenLine xmlns="" xmlns:a14="http://schemas.microsoft.com/office/drawing/2010/main" w="9525">
                     <a:solidFill>
                       <a:srgbClr val="000000"/>
                     </a:solidFill>
@@ -12104,7 +12104,7 @@
               </a:ln>
               <a:extLst>
                 <a:ext uri="{91240B29-F687-4f45-9708-019B960494DF}">
-                  <a14:hiddenLine xmlns:a14="http://schemas.microsoft.com/office/drawing/2010/main" xmlns="" w="9525">
+                  <a14:hiddenLine xmlns="" xmlns:a14="http://schemas.microsoft.com/office/drawing/2010/main" w="9525">
                     <a:solidFill>
                       <a:srgbClr val="000000"/>
                     </a:solidFill>
@@ -12194,7 +12194,7 @@
               </a:ln>
               <a:extLst>
                 <a:ext uri="{91240B29-F687-4f45-9708-019B960494DF}">
-                  <a14:hiddenLine xmlns:a14="http://schemas.microsoft.com/office/drawing/2010/main" xmlns="" w="9525">
+                  <a14:hiddenLine xmlns="" xmlns:a14="http://schemas.microsoft.com/office/drawing/2010/main" w="9525">
                     <a:solidFill>
                       <a:srgbClr val="000000"/>
                     </a:solidFill>
@@ -12228,7 +12228,7 @@
               </a:ln>
               <a:extLst>
                 <a:ext uri="{91240B29-F687-4f45-9708-019B960494DF}">
-                  <a14:hiddenLine xmlns:a14="http://schemas.microsoft.com/office/drawing/2010/main" xmlns="" w="9525">
+                  <a14:hiddenLine xmlns="" xmlns:a14="http://schemas.microsoft.com/office/drawing/2010/main" w="9525">
                     <a:solidFill>
                       <a:srgbClr val="000000"/>
                     </a:solidFill>
@@ -12368,7 +12368,7 @@
           <a:p>
             <a:fld id="{4E366CDE-0B9C-4DD5-AC70-63E61B4FC05F}" type="datetimeFigureOut">
               <a:rPr lang="en-US" smtClean="0"/>
-              <a:t>4/19/2023</a:t>
+              <a:t>4/20/2023</a:t>
             </a:fld>
             <a:endParaRPr lang="en-US"/>
           </a:p>
@@ -12790,38 +12790,50 @@
       </p:grpSpPr>
       <p:pic>
         <p:nvPicPr>
-          <p:cNvPr id="9" name="Kép 8">
+          <p:cNvPr id="1028" name="Picture 4" descr="Carcassonne – Tiles &amp; Tactics • Game Solver">
             <a:extLst>
               <a:ext uri="{FF2B5EF4-FFF2-40B4-BE49-F238E27FC236}">
-                <a16:creationId xmlns:a16="http://schemas.microsoft.com/office/drawing/2014/main" id="{342D3511-60CD-4E76-AD63-CBD3725CB4E7}"/>
+                <a16:creationId xmlns:a16="http://schemas.microsoft.com/office/drawing/2014/main" id="{C4DB46E3-3B68-408D-98FC-D022031B813A}"/>
               </a:ext>
             </a:extLst>
           </p:cNvPr>
           <p:cNvPicPr>
-            <a:picLocks noChangeAspect="1"/>
+            <a:picLocks noChangeAspect="1" noChangeArrowheads="1"/>
           </p:cNvPicPr>
           <p:nvPr/>
         </p:nvPicPr>
-        <p:blipFill>
-          <a:blip r:embed="rId2"/>
-          <a:stretch>
-            <a:fillRect/>
-          </a:stretch>
+        <p:blipFill rotWithShape="1">
+          <a:blip r:embed="rId2">
+            <a:extLst>
+              <a:ext uri="{28A0092B-C50C-407E-A947-70E740481C1C}">
+                <a14:useLocalDpi xmlns:a14="http://schemas.microsoft.com/office/drawing/2010/main" val="0"/>
+              </a:ext>
+            </a:extLst>
+          </a:blip>
+          <a:srcRect l="1188" t="1311"/>
+          <a:stretch/>
         </p:blipFill>
-        <p:spPr>
-          <a:xfrm rot="17890066">
-            <a:off x="2830602" y="814742"/>
-            <a:ext cx="2330155" cy="2428201"/>
+        <p:spPr bwMode="auto">
+          <a:xfrm rot="1271498">
+            <a:off x="2856231" y="1074251"/>
+            <a:ext cx="2006629" cy="2004134"/>
           </a:xfrm>
-          <a:prstGeom prst="ellipse">
+          <a:prstGeom prst="rect">
             <a:avLst/>
           </a:prstGeom>
-          <a:ln>
-            <a:noFill/>
-          </a:ln>
+          <a:noFill/>
           <a:effectLst>
-            <a:softEdge rad="112500"/>
+            <a:softEdge rad="152400"/>
           </a:effectLst>
+          <a:extLst>
+            <a:ext uri="{909E8E84-426E-40DD-AFC4-6F175D3DCCD1}">
+              <a14:hiddenFill xmlns:a14="http://schemas.microsoft.com/office/drawing/2010/main">
+                <a:solidFill>
+                  <a:srgbClr val="FFFFFF"/>
+                </a:solidFill>
+              </a14:hiddenFill>
+            </a:ext>
+          </a:extLst>
         </p:spPr>
       </p:pic>
       <p:sp>
@@ -12977,7 +12989,7 @@
             </a:r>
             <a:r>
               <a:rPr lang="hu-HU" sz="2200" b="1" dirty="0"/>
-              <a:t> Gyula</a:t>
+              <a:t> Gyula Levente</a:t>
             </a:r>
           </a:p>
           <a:p>
@@ -14000,6 +14012,83 @@
           </a:p>
         </p:txBody>
       </p:sp>
+      <p:pic>
+        <p:nvPicPr>
+          <p:cNvPr id="10" name="Kép 9">
+            <a:extLst>
+              <a:ext uri="{FF2B5EF4-FFF2-40B4-BE49-F238E27FC236}">
+                <a16:creationId xmlns:a16="http://schemas.microsoft.com/office/drawing/2014/main" id="{872CB939-44CF-439B-8D9D-BD7920A667F6}"/>
+              </a:ext>
+            </a:extLst>
+          </p:cNvPr>
+          <p:cNvPicPr>
+            <a:picLocks noChangeAspect="1"/>
+          </p:cNvPicPr>
+          <p:nvPr/>
+        </p:nvPicPr>
+        <p:blipFill>
+          <a:blip r:embed="rId2">
+            <a:extLst>
+              <a:ext uri="{28A0092B-C50C-407E-A947-70E740481C1C}">
+                <a14:useLocalDpi xmlns:a14="http://schemas.microsoft.com/office/drawing/2010/main" val="0"/>
+              </a:ext>
+            </a:extLst>
+          </a:blip>
+          <a:stretch>
+            <a:fillRect/>
+          </a:stretch>
+        </p:blipFill>
+        <p:spPr>
+          <a:xfrm>
+            <a:off x="1050727" y="1156644"/>
+            <a:ext cx="2187773" cy="2734717"/>
+          </a:xfrm>
+          <a:prstGeom prst="rect">
+            <a:avLst/>
+          </a:prstGeom>
+          <a:effectLst>
+            <a:softEdge rad="38100"/>
+          </a:effectLst>
+        </p:spPr>
+      </p:pic>
+      <p:pic>
+        <p:nvPicPr>
+          <p:cNvPr id="12" name="Kép 11">
+            <a:extLst>
+              <a:ext uri="{FF2B5EF4-FFF2-40B4-BE49-F238E27FC236}">
+                <a16:creationId xmlns:a16="http://schemas.microsoft.com/office/drawing/2014/main" id="{AB1FA4CC-5EF4-4692-A45E-60951EADDE71}"/>
+              </a:ext>
+            </a:extLst>
+          </p:cNvPr>
+          <p:cNvPicPr>
+            <a:picLocks noChangeAspect="1"/>
+          </p:cNvPicPr>
+          <p:nvPr/>
+        </p:nvPicPr>
+        <p:blipFill rotWithShape="1">
+          <a:blip r:embed="rId3">
+            <a:extLst>
+              <a:ext uri="{28A0092B-C50C-407E-A947-70E740481C1C}">
+                <a14:useLocalDpi xmlns:a14="http://schemas.microsoft.com/office/drawing/2010/main" val="0"/>
+              </a:ext>
+            </a:extLst>
+          </a:blip>
+          <a:srcRect t="7781"/>
+          <a:stretch/>
+        </p:blipFill>
+        <p:spPr>
+          <a:xfrm>
+            <a:off x="9431064" y="1163903"/>
+            <a:ext cx="2089483" cy="2727458"/>
+          </a:xfrm>
+          <a:prstGeom prst="rect">
+            <a:avLst/>
+          </a:prstGeom>
+          <a:effectLst>
+            <a:softEdge rad="38100"/>
+          </a:effectLst>
+        </p:spPr>
+      </p:pic>
     </p:spTree>
     <p:extLst>
       <p:ext uri="{BB962C8B-B14F-4D97-AF65-F5344CB8AC3E}">
@@ -14461,8 +14550,8 @@
         </p:nvSpPr>
         <p:spPr>
           <a:xfrm>
-            <a:off x="1463385" y="366624"/>
-            <a:ext cx="9905998" cy="590931"/>
+            <a:off x="1141412" y="327514"/>
+            <a:ext cx="9905998" cy="1478570"/>
           </a:xfrm>
           <a:effectLst>
             <a:softEdge rad="254000"/>
@@ -14518,6 +14607,101 @@
           </a:p>
         </p:txBody>
       </p:sp>
+      <p:sp>
+        <p:nvSpPr>
+          <p:cNvPr id="5" name="Tartalom helye 4">
+            <a:extLst>
+              <a:ext uri="{FF2B5EF4-FFF2-40B4-BE49-F238E27FC236}">
+                <a16:creationId xmlns:a16="http://schemas.microsoft.com/office/drawing/2014/main" id="{F5B9A409-2FC0-4D58-A17E-BC47F1C646DD}"/>
+              </a:ext>
+            </a:extLst>
+          </p:cNvPr>
+          <p:cNvSpPr>
+            <a:spLocks noGrp="1"/>
+          </p:cNvSpPr>
+          <p:nvPr>
+            <p:ph idx="1"/>
+          </p:nvPr>
+        </p:nvSpPr>
+        <p:spPr/>
+        <p:txBody>
+          <a:bodyPr/>
+          <a:lstStyle/>
+          <a:p>
+            <a:r>
+              <a:rPr lang="hu-HU" dirty="0"/>
+              <a:t>Futtatási környezet: Visual </a:t>
+            </a:r>
+            <a:r>
+              <a:rPr lang="hu-HU" dirty="0" err="1"/>
+              <a:t>Studio</a:t>
+            </a:r>
+            <a:r>
+              <a:rPr lang="hu-HU" dirty="0"/>
+              <a:t> 2022</a:t>
+            </a:r>
+          </a:p>
+          <a:p>
+            <a:r>
+              <a:rPr lang="hu-HU" dirty="0"/>
+              <a:t>Programozási felület: WPF</a:t>
+            </a:r>
+          </a:p>
+          <a:p>
+            <a:r>
+              <a:rPr lang="hu-HU" dirty="0"/>
+              <a:t>Programozás nyelv: C#</a:t>
+            </a:r>
+          </a:p>
+        </p:txBody>
+      </p:sp>
+      <p:pic>
+        <p:nvPicPr>
+          <p:cNvPr id="2050" name="Picture 2" descr="https://raw.githubusercontent.com/GhostLead/IndexOutOfRange-Carcassonne/main/Website/Kepek/Game1.png">
+            <a:extLst>
+              <a:ext uri="{FF2B5EF4-FFF2-40B4-BE49-F238E27FC236}">
+                <a16:creationId xmlns:a16="http://schemas.microsoft.com/office/drawing/2014/main" id="{D1645B2E-B856-470F-9F84-2116569C966A}"/>
+              </a:ext>
+            </a:extLst>
+          </p:cNvPr>
+          <p:cNvPicPr>
+            <a:picLocks noChangeAspect="1" noChangeArrowheads="1"/>
+          </p:cNvPicPr>
+          <p:nvPr/>
+        </p:nvPicPr>
+        <p:blipFill>
+          <a:blip r:embed="rId2">
+            <a:extLst>
+              <a:ext uri="{28A0092B-C50C-407E-A947-70E740481C1C}">
+                <a14:useLocalDpi xmlns:a14="http://schemas.microsoft.com/office/drawing/2010/main" val="0"/>
+              </a:ext>
+            </a:extLst>
+          </a:blip>
+          <a:srcRect/>
+          <a:stretch>
+            <a:fillRect/>
+          </a:stretch>
+        </p:blipFill>
+        <p:spPr bwMode="auto">
+          <a:xfrm>
+            <a:off x="5568948" y="3074797"/>
+            <a:ext cx="5478462" cy="3159807"/>
+          </a:xfrm>
+          <a:prstGeom prst="rect">
+            <a:avLst/>
+          </a:prstGeom>
+          <a:noFill/>
+          <a:extLst>
+            <a:ext uri="{909E8E84-426E-40DD-AFC4-6F175D3DCCD1}">
+              <a14:hiddenFill xmlns:a14="http://schemas.microsoft.com/office/drawing/2010/main">
+                <a:solidFill>
+                  <a:srgbClr val="FFFFFF"/>
+                </a:solidFill>
+              </a14:hiddenFill>
+            </a:ext>
+          </a:extLst>
+        </p:spPr>
+      </p:pic>
     </p:spTree>
     <p:extLst>
       <p:ext uri="{BB962C8B-B14F-4D97-AF65-F5344CB8AC3E}">
